--- a/PPTX/Phyton desde 0.pptx
+++ b/PPTX/Phyton desde 0.pptx
@@ -21682,7 +21682,7 @@
                 <a:effectLst/>
                 <a:latin typeface="udemy sans"/>
               </a:rPr>
-              <a:t>concatenando las variables (recuerda sumar un espacio intermedio).</a:t>
+              <a:t>concatenando las variables</a:t>
             </a:r>
           </a:p>
         </p:txBody>
